--- a/Springborad Project.pptx
+++ b/Springborad Project.pptx
@@ -21,10 +21,12 @@
     <p:sldId id="265" r:id="rId15"/>
     <p:sldId id="276" r:id="rId16"/>
     <p:sldId id="278" r:id="rId17"/>
-    <p:sldId id="272" r:id="rId18"/>
-    <p:sldId id="274" r:id="rId19"/>
-    <p:sldId id="273" r:id="rId20"/>
-    <p:sldId id="275" r:id="rId21"/>
+    <p:sldId id="279" r:id="rId18"/>
+    <p:sldId id="280" r:id="rId19"/>
+    <p:sldId id="272" r:id="rId20"/>
+    <p:sldId id="274" r:id="rId21"/>
+    <p:sldId id="273" r:id="rId22"/>
+    <p:sldId id="275" r:id="rId23"/>
   </p:sldIdLst>
   <p:sldSz cx="12192000" cy="6858000"/>
   <p:notesSz cx="6858000" cy="9144000"/>
@@ -153,6 +155,11 @@
       </a:defRPr>
     </a:lvl9pPr>
   </p:defaultTextStyle>
+  <p:extLst>
+    <p:ext uri="{EFAFB233-063F-42B5-8137-9DF3F51BA10A}">
+      <p15:sldGuideLst xmlns:p15="http://schemas.microsoft.com/office/powerpoint/2012/main"/>
+    </p:ext>
+  </p:extLst>
 </p:presentation>
 </file>
 
@@ -1687,7 +1694,24 @@
       </dgm:t>
     </dgm:pt>
     <dgm:pt modelId="{01FBEE48-46A9-4B6A-A64B-39729A7435E1}" type="sibTrans" cxnId="{72C1CDD2-3F2B-40BA-A32F-FD1004046E82}">
-      <dgm:prSet/>
+      <dgm:prSet>
+        <dgm:style>
+          <a:lnRef idx="2">
+            <a:schemeClr val="dk1">
+              <a:shade val="50000"/>
+            </a:schemeClr>
+          </a:lnRef>
+          <a:fillRef idx="1">
+            <a:schemeClr val="dk1"/>
+          </a:fillRef>
+          <a:effectRef idx="0">
+            <a:schemeClr val="dk1"/>
+          </a:effectRef>
+          <a:fontRef idx="minor">
+            <a:schemeClr val="lt1"/>
+          </a:fontRef>
+        </dgm:style>
+      </dgm:prSet>
       <dgm:spPr/>
       <dgm:t>
         <a:bodyPr/>
@@ -1727,7 +1751,24 @@
       </dgm:t>
     </dgm:pt>
     <dgm:pt modelId="{B2E1CCFE-99E3-48A5-A8C7-4EDAD95FA718}" type="sibTrans" cxnId="{31F574F3-DD52-4C55-9E21-B004B7012E73}">
-      <dgm:prSet/>
+      <dgm:prSet>
+        <dgm:style>
+          <a:lnRef idx="2">
+            <a:schemeClr val="dk1">
+              <a:shade val="50000"/>
+            </a:schemeClr>
+          </a:lnRef>
+          <a:fillRef idx="1">
+            <a:schemeClr val="dk1"/>
+          </a:fillRef>
+          <a:effectRef idx="0">
+            <a:schemeClr val="dk1"/>
+          </a:effectRef>
+          <a:fontRef idx="minor">
+            <a:schemeClr val="lt1"/>
+          </a:fontRef>
+        </dgm:style>
+      </dgm:prSet>
       <dgm:spPr/>
       <dgm:t>
         <a:bodyPr/>
@@ -1767,7 +1808,24 @@
       </dgm:t>
     </dgm:pt>
     <dgm:pt modelId="{2742BEE6-7A88-4837-B549-D2509A537D8B}" type="sibTrans" cxnId="{8A6CA291-F7FA-44C9-B20C-86310602F74F}">
-      <dgm:prSet/>
+      <dgm:prSet>
+        <dgm:style>
+          <a:lnRef idx="2">
+            <a:schemeClr val="dk1">
+              <a:shade val="50000"/>
+            </a:schemeClr>
+          </a:lnRef>
+          <a:fillRef idx="1">
+            <a:schemeClr val="dk1"/>
+          </a:fillRef>
+          <a:effectRef idx="0">
+            <a:schemeClr val="dk1"/>
+          </a:effectRef>
+          <a:fontRef idx="minor">
+            <a:schemeClr val="lt1"/>
+          </a:fontRef>
+        </dgm:style>
+      </dgm:prSet>
       <dgm:spPr/>
       <dgm:t>
         <a:bodyPr/>
@@ -1850,7 +1908,7 @@
       <dgm:spPr/>
     </dgm:pt>
     <dgm:pt modelId="{DDB72892-D0FD-4F6D-BCDC-8B772E0969BF}" type="pres">
-      <dgm:prSet presAssocID="{B2E1CCFE-99E3-48A5-A8C7-4EDAD95FA718}" presName="sibTrans" presStyleLbl="sibTrans2D1" presStyleIdx="1" presStyleCnt="3"/>
+      <dgm:prSet presAssocID="{B2E1CCFE-99E3-48A5-A8C7-4EDAD95FA718}" presName="sibTrans" presStyleLbl="sibTrans2D1" presStyleIdx="1" presStyleCnt="3" custLinFactNeighborY="0"/>
       <dgm:spPr/>
     </dgm:pt>
     <dgm:pt modelId="{FA73B397-34EE-4E70-9A7D-13B1B6B6CECE}" type="pres">
@@ -1866,7 +1924,7 @@
       <dgm:spPr/>
     </dgm:pt>
     <dgm:pt modelId="{ACAFB9BB-3FF3-4364-AE62-9F35A75DD707}" type="pres">
-      <dgm:prSet presAssocID="{2742BEE6-7A88-4837-B549-D2509A537D8B}" presName="sibTrans" presStyleLbl="sibTrans2D1" presStyleIdx="2" presStyleCnt="3"/>
+      <dgm:prSet presAssocID="{2742BEE6-7A88-4837-B549-D2509A537D8B}" presName="sibTrans" presStyleLbl="sibTrans2D1" presStyleIdx="2" presStyleCnt="3" custLinFactNeighborY="0"/>
       <dgm:spPr/>
     </dgm:pt>
     <dgm:pt modelId="{A3E01A5E-4399-4B99-A344-00D3B0DAAF04}" type="pres">
@@ -2053,28 +2111,30 @@
           </a:avLst>
         </a:prstGeom>
         <a:solidFill>
-          <a:schemeClr val="accent1">
-            <a:tint val="60000"/>
-            <a:hueOff val="0"/>
-            <a:satOff val="0"/>
-            <a:lumOff val="0"/>
-            <a:alphaOff val="0"/>
-          </a:schemeClr>
+          <a:schemeClr val="dk1"/>
         </a:solidFill>
-        <a:ln>
-          <a:noFill/>
+        <a:ln w="12700" cap="flat" cmpd="sng" algn="ctr">
+          <a:solidFill>
+            <a:schemeClr val="dk1">
+              <a:shade val="50000"/>
+            </a:schemeClr>
+          </a:solidFill>
+          <a:prstDash val="solid"/>
+          <a:miter lim="800000"/>
         </a:ln>
         <a:effectLst/>
       </dsp:spPr>
       <dsp:style>
-        <a:lnRef idx="0">
-          <a:scrgbClr r="0" g="0" b="0"/>
+        <a:lnRef idx="2">
+          <a:schemeClr val="dk1">
+            <a:shade val="50000"/>
+          </a:schemeClr>
         </a:lnRef>
         <a:fillRef idx="1">
-          <a:scrgbClr r="0" g="0" b="0"/>
+          <a:schemeClr val="dk1"/>
         </a:fillRef>
         <a:effectRef idx="0">
-          <a:scrgbClr r="0" g="0" b="0"/>
+          <a:schemeClr val="dk1"/>
         </a:effectRef>
         <a:fontRef idx="minor">
           <a:schemeClr val="lt1"/>
@@ -2198,28 +2258,30 @@
           </a:avLst>
         </a:prstGeom>
         <a:solidFill>
-          <a:schemeClr val="accent1">
-            <a:tint val="60000"/>
-            <a:hueOff val="0"/>
-            <a:satOff val="0"/>
-            <a:lumOff val="0"/>
-            <a:alphaOff val="0"/>
-          </a:schemeClr>
+          <a:schemeClr val="dk1"/>
         </a:solidFill>
-        <a:ln>
-          <a:noFill/>
+        <a:ln w="12700" cap="flat" cmpd="sng" algn="ctr">
+          <a:solidFill>
+            <a:schemeClr val="dk1">
+              <a:shade val="50000"/>
+            </a:schemeClr>
+          </a:solidFill>
+          <a:prstDash val="solid"/>
+          <a:miter lim="800000"/>
         </a:ln>
         <a:effectLst/>
       </dsp:spPr>
       <dsp:style>
-        <a:lnRef idx="0">
-          <a:scrgbClr r="0" g="0" b="0"/>
+        <a:lnRef idx="2">
+          <a:schemeClr val="dk1">
+            <a:shade val="50000"/>
+          </a:schemeClr>
         </a:lnRef>
         <a:fillRef idx="1">
-          <a:scrgbClr r="0" g="0" b="0"/>
+          <a:schemeClr val="dk1"/>
         </a:fillRef>
         <a:effectRef idx="0">
-          <a:scrgbClr r="0" g="0" b="0"/>
+          <a:schemeClr val="dk1"/>
         </a:effectRef>
         <a:fontRef idx="minor">
           <a:schemeClr val="lt1"/>
@@ -2343,28 +2405,30 @@
           </a:avLst>
         </a:prstGeom>
         <a:solidFill>
-          <a:schemeClr val="accent1">
-            <a:tint val="60000"/>
-            <a:hueOff val="0"/>
-            <a:satOff val="0"/>
-            <a:lumOff val="0"/>
-            <a:alphaOff val="0"/>
-          </a:schemeClr>
+          <a:schemeClr val="dk1"/>
         </a:solidFill>
-        <a:ln>
-          <a:noFill/>
+        <a:ln w="12700" cap="flat" cmpd="sng" algn="ctr">
+          <a:solidFill>
+            <a:schemeClr val="dk1">
+              <a:shade val="50000"/>
+            </a:schemeClr>
+          </a:solidFill>
+          <a:prstDash val="solid"/>
+          <a:miter lim="800000"/>
         </a:ln>
         <a:effectLst/>
       </dsp:spPr>
       <dsp:style>
-        <a:lnRef idx="0">
-          <a:scrgbClr r="0" g="0" b="0"/>
+        <a:lnRef idx="2">
+          <a:schemeClr val="dk1">
+            <a:shade val="50000"/>
+          </a:schemeClr>
         </a:lnRef>
         <a:fillRef idx="1">
-          <a:scrgbClr r="0" g="0" b="0"/>
+          <a:schemeClr val="dk1"/>
         </a:fillRef>
         <a:effectRef idx="0">
-          <a:scrgbClr r="0" g="0" b="0"/>
+          <a:schemeClr val="dk1"/>
         </a:effectRef>
         <a:fontRef idx="minor">
           <a:schemeClr val="lt1"/>
@@ -5001,7 +5065,7 @@
           <a:p>
             <a:fld id="{70C1F948-CA63-4B40-B1F0-ABF72D9CD071}" type="datetimeFigureOut">
               <a:rPr lang="en-US" smtClean="0"/>
-              <a:t>8/7/2018</a:t>
+              <a:t>9/9/2018</a:t>
             </a:fld>
             <a:endParaRPr lang="en-US"/>
           </a:p>
@@ -5211,7 +5275,7 @@
           <a:p>
             <a:fld id="{70C1F948-CA63-4B40-B1F0-ABF72D9CD071}" type="datetimeFigureOut">
               <a:rPr lang="en-US" smtClean="0"/>
-              <a:t>8/7/2018</a:t>
+              <a:t>9/9/2018</a:t>
             </a:fld>
             <a:endParaRPr lang="en-US"/>
           </a:p>
@@ -5431,7 +5495,7 @@
           <a:p>
             <a:fld id="{70C1F948-CA63-4B40-B1F0-ABF72D9CD071}" type="datetimeFigureOut">
               <a:rPr lang="en-US" smtClean="0"/>
-              <a:t>8/7/2018</a:t>
+              <a:t>9/9/2018</a:t>
             </a:fld>
             <a:endParaRPr lang="en-US"/>
           </a:p>
@@ -5641,7 +5705,7 @@
           <a:p>
             <a:fld id="{70C1F948-CA63-4B40-B1F0-ABF72D9CD071}" type="datetimeFigureOut">
               <a:rPr lang="en-US" smtClean="0"/>
-              <a:t>8/7/2018</a:t>
+              <a:t>9/9/2018</a:t>
             </a:fld>
             <a:endParaRPr lang="en-US"/>
           </a:p>
@@ -5874,7 +5938,7 @@
           <a:p>
             <a:fld id="{70C1F948-CA63-4B40-B1F0-ABF72D9CD071}" type="datetimeFigureOut">
               <a:rPr lang="en-US" smtClean="0"/>
-              <a:t>8/7/2018</a:t>
+              <a:t>9/9/2018</a:t>
             </a:fld>
             <a:endParaRPr lang="en-US"/>
           </a:p>
@@ -6151,7 +6215,7 @@
           <a:p>
             <a:fld id="{70C1F948-CA63-4B40-B1F0-ABF72D9CD071}" type="datetimeFigureOut">
               <a:rPr lang="en-US" smtClean="0"/>
-              <a:t>8/7/2018</a:t>
+              <a:t>9/9/2018</a:t>
             </a:fld>
             <a:endParaRPr lang="en-US"/>
           </a:p>
@@ -6575,7 +6639,7 @@
           <a:p>
             <a:fld id="{70C1F948-CA63-4B40-B1F0-ABF72D9CD071}" type="datetimeFigureOut">
               <a:rPr lang="en-US" smtClean="0"/>
-              <a:t>8/7/2018</a:t>
+              <a:t>9/9/2018</a:t>
             </a:fld>
             <a:endParaRPr lang="en-US"/>
           </a:p>
@@ -6728,7 +6792,7 @@
           <a:p>
             <a:fld id="{70C1F948-CA63-4B40-B1F0-ABF72D9CD071}" type="datetimeFigureOut">
               <a:rPr lang="en-US" smtClean="0"/>
-              <a:t>8/7/2018</a:t>
+              <a:t>9/9/2018</a:t>
             </a:fld>
             <a:endParaRPr lang="en-US"/>
           </a:p>
@@ -6853,7 +6917,7 @@
           <a:p>
             <a:fld id="{70C1F948-CA63-4B40-B1F0-ABF72D9CD071}" type="datetimeFigureOut">
               <a:rPr lang="en-US" smtClean="0"/>
-              <a:t>8/7/2018</a:t>
+              <a:t>9/9/2018</a:t>
             </a:fld>
             <a:endParaRPr lang="en-US"/>
           </a:p>
@@ -7176,7 +7240,7 @@
           <a:p>
             <a:fld id="{70C1F948-CA63-4B40-B1F0-ABF72D9CD071}" type="datetimeFigureOut">
               <a:rPr lang="en-US" smtClean="0"/>
-              <a:t>8/7/2018</a:t>
+              <a:t>9/9/2018</a:t>
             </a:fld>
             <a:endParaRPr lang="en-US"/>
           </a:p>
@@ -7479,7 +7543,7 @@
           <a:p>
             <a:fld id="{70C1F948-CA63-4B40-B1F0-ABF72D9CD071}" type="datetimeFigureOut">
               <a:rPr lang="en-US" smtClean="0"/>
-              <a:t>8/7/2018</a:t>
+              <a:t>9/9/2018</a:t>
             </a:fld>
             <a:endParaRPr lang="en-US"/>
           </a:p>
@@ -7837,7 +7901,7 @@
           <a:p>
             <a:fld id="{70C1F948-CA63-4B40-B1F0-ABF72D9CD071}" type="datetimeFigureOut">
               <a:rPr lang="en-US" smtClean="0"/>
-              <a:t>8/7/2018</a:t>
+              <a:t>9/9/2018</a:t>
             </a:fld>
             <a:endParaRPr lang="en-US"/>
           </a:p>
@@ -8620,6 +8684,44 @@
           <a:chExt cx="0" cy="0"/>
         </a:xfrm>
       </p:grpSpPr>
+      <p:pic>
+        <p:nvPicPr>
+          <p:cNvPr id="4" name="Content Placeholder 3">
+            <a:extLst>
+              <a:ext uri="{FF2B5EF4-FFF2-40B4-BE49-F238E27FC236}">
+                <a16:creationId xmlns:a16="http://schemas.microsoft.com/office/drawing/2014/main" id="{DA60338A-7FB9-47CE-95CC-7097CB686C72}"/>
+              </a:ext>
+            </a:extLst>
+          </p:cNvPr>
+          <p:cNvPicPr>
+            <a:picLocks noGrp="1"/>
+          </p:cNvPicPr>
+          <p:nvPr>
+            <p:ph idx="1"/>
+          </p:nvPr>
+        </p:nvPicPr>
+        <p:blipFill>
+          <a:blip r:embed="rId2">
+            <a:extLst>
+              <a:ext uri="{28A0092B-C50C-407E-A947-70E740481C1C}">
+                <a14:useLocalDpi xmlns:a14="http://schemas.microsoft.com/office/drawing/2010/main" val="0"/>
+              </a:ext>
+            </a:extLst>
+          </a:blip>
+          <a:stretch>
+            <a:fillRect/>
+          </a:stretch>
+        </p:blipFill>
+        <p:spPr>
+          <a:xfrm>
+            <a:off x="786643" y="1376017"/>
+            <a:ext cx="11145162" cy="5481983"/>
+          </a:xfrm>
+          <a:prstGeom prst="rect">
+            <a:avLst/>
+          </a:prstGeom>
+        </p:spPr>
+      </p:pic>
       <p:sp>
         <p:nvSpPr>
           <p:cNvPr id="2" name="Title 1">
@@ -8655,44 +8757,6 @@
           </a:p>
         </p:txBody>
       </p:sp>
-      <p:pic>
-        <p:nvPicPr>
-          <p:cNvPr id="4" name="Content Placeholder 3">
-            <a:extLst>
-              <a:ext uri="{FF2B5EF4-FFF2-40B4-BE49-F238E27FC236}">
-                <a16:creationId xmlns:a16="http://schemas.microsoft.com/office/drawing/2014/main" id="{DA60338A-7FB9-47CE-95CC-7097CB686C72}"/>
-              </a:ext>
-            </a:extLst>
-          </p:cNvPr>
-          <p:cNvPicPr>
-            <a:picLocks noGrp="1"/>
-          </p:cNvPicPr>
-          <p:nvPr>
-            <p:ph idx="1"/>
-          </p:nvPr>
-        </p:nvPicPr>
-        <p:blipFill>
-          <a:blip r:embed="rId2">
-            <a:extLst>
-              <a:ext uri="{28A0092B-C50C-407E-A947-70E740481C1C}">
-                <a14:useLocalDpi xmlns:a14="http://schemas.microsoft.com/office/drawing/2010/main" val="0"/>
-              </a:ext>
-            </a:extLst>
-          </a:blip>
-          <a:stretch>
-            <a:fillRect/>
-          </a:stretch>
-        </p:blipFill>
-        <p:spPr>
-          <a:xfrm>
-            <a:off x="786643" y="1376017"/>
-            <a:ext cx="10070550" cy="5234989"/>
-          </a:xfrm>
-          <a:prstGeom prst="rect">
-            <a:avLst/>
-          </a:prstGeom>
-        </p:spPr>
-      </p:pic>
       <p:sp>
         <p:nvSpPr>
           <p:cNvPr id="5" name="TextBox 4">
@@ -8707,7 +8771,7 @@
         </p:nvSpPr>
         <p:spPr>
           <a:xfrm>
-            <a:off x="8229599" y="2039487"/>
+            <a:off x="8575284" y="2039487"/>
             <a:ext cx="1996965" cy="1200329"/>
           </a:xfrm>
           <a:prstGeom prst="rect">
@@ -8817,8 +8881,8 @@
         </p:blipFill>
         <p:spPr>
           <a:xfrm>
-            <a:off x="693683" y="1451468"/>
-            <a:ext cx="10205545" cy="5388240"/>
+            <a:off x="682532" y="1351108"/>
+            <a:ext cx="10903585" cy="5756785"/>
           </a:xfrm>
           <a:prstGeom prst="rect">
             <a:avLst/>
@@ -8839,7 +8903,7 @@
         </p:nvSpPr>
         <p:spPr>
           <a:xfrm>
-            <a:off x="8103476" y="1944211"/>
+            <a:off x="8270742" y="1386653"/>
             <a:ext cx="1923393" cy="1754326"/>
           </a:xfrm>
           <a:prstGeom prst="rect">
@@ -9517,13 +9581,13 @@
         </p:spPr>
         <p:style>
           <a:lnRef idx="1">
-            <a:schemeClr val="accent1"/>
+            <a:schemeClr val="dk1"/>
           </a:lnRef>
           <a:fillRef idx="0">
-            <a:schemeClr val="accent1"/>
+            <a:schemeClr val="dk1"/>
           </a:fillRef>
           <a:effectRef idx="0">
-            <a:schemeClr val="accent1"/>
+            <a:schemeClr val="dk1"/>
           </a:effectRef>
           <a:fontRef idx="minor">
             <a:schemeClr val="tx1"/>
@@ -9556,13 +9620,13 @@
         </p:spPr>
         <p:style>
           <a:lnRef idx="1">
-            <a:schemeClr val="accent1"/>
+            <a:schemeClr val="dk1"/>
           </a:lnRef>
           <a:fillRef idx="0">
-            <a:schemeClr val="accent1"/>
+            <a:schemeClr val="dk1"/>
           </a:fillRef>
           <a:effectRef idx="0">
-            <a:schemeClr val="accent1"/>
+            <a:schemeClr val="dk1"/>
           </a:effectRef>
           <a:fontRef idx="minor">
             <a:schemeClr val="tx1"/>
@@ -9595,13 +9659,13 @@
         </p:spPr>
         <p:style>
           <a:lnRef idx="1">
-            <a:schemeClr val="accent1"/>
+            <a:schemeClr val="dk1"/>
           </a:lnRef>
           <a:fillRef idx="0">
-            <a:schemeClr val="accent1"/>
+            <a:schemeClr val="dk1"/>
           </a:fillRef>
           <a:effectRef idx="0">
-            <a:schemeClr val="accent1"/>
+            <a:schemeClr val="dk1"/>
           </a:effectRef>
           <a:fontRef idx="minor">
             <a:schemeClr val="tx1"/>
@@ -9631,13 +9695,13 @@
         </p:spPr>
         <p:style>
           <a:lnRef idx="1">
-            <a:schemeClr val="accent1"/>
+            <a:schemeClr val="dk1"/>
           </a:lnRef>
           <a:fillRef idx="0">
-            <a:schemeClr val="accent1"/>
+            <a:schemeClr val="dk1"/>
           </a:fillRef>
           <a:effectRef idx="0">
-            <a:schemeClr val="accent1"/>
+            <a:schemeClr val="dk1"/>
           </a:effectRef>
           <a:fontRef idx="minor">
             <a:schemeClr val="tx1"/>
@@ -9658,7 +9722,7 @@
         </p:nvCxnSpPr>
         <p:spPr>
           <a:xfrm>
-            <a:off x="5591503" y="4950372"/>
+            <a:off x="5591503" y="4960883"/>
             <a:ext cx="225961" cy="0"/>
           </a:xfrm>
           <a:prstGeom prst="straightConnector1">
@@ -9670,13 +9734,13 @@
         </p:spPr>
         <p:style>
           <a:lnRef idx="1">
-            <a:schemeClr val="accent1"/>
+            <a:schemeClr val="dk1"/>
           </a:lnRef>
           <a:fillRef idx="0">
-            <a:schemeClr val="accent1"/>
+            <a:schemeClr val="dk1"/>
           </a:fillRef>
           <a:effectRef idx="0">
-            <a:schemeClr val="accent1"/>
+            <a:schemeClr val="dk1"/>
           </a:effectRef>
           <a:fontRef idx="minor">
             <a:schemeClr val="tx1"/>
@@ -9711,13 +9775,13 @@
         </p:spPr>
         <p:style>
           <a:lnRef idx="1">
-            <a:schemeClr val="accent1"/>
+            <a:schemeClr val="dk1"/>
           </a:lnRef>
           <a:fillRef idx="0">
-            <a:schemeClr val="accent1"/>
+            <a:schemeClr val="dk1"/>
           </a:fillRef>
           <a:effectRef idx="0">
-            <a:schemeClr val="accent1"/>
+            <a:schemeClr val="dk1"/>
           </a:effectRef>
           <a:fontRef idx="minor">
             <a:schemeClr val="tx1"/>
@@ -9750,13 +9814,13 @@
         </p:spPr>
         <p:style>
           <a:lnRef idx="1">
-            <a:schemeClr val="accent1"/>
+            <a:schemeClr val="dk1"/>
           </a:lnRef>
           <a:fillRef idx="0">
-            <a:schemeClr val="accent1"/>
+            <a:schemeClr val="dk1"/>
           </a:fillRef>
           <a:effectRef idx="0">
-            <a:schemeClr val="accent1"/>
+            <a:schemeClr val="dk1"/>
           </a:effectRef>
           <a:fontRef idx="minor">
             <a:schemeClr val="tx1"/>
@@ -9786,13 +9850,13 @@
         </p:spPr>
         <p:style>
           <a:lnRef idx="1">
-            <a:schemeClr val="accent1"/>
+            <a:schemeClr val="dk1"/>
           </a:lnRef>
           <a:fillRef idx="0">
-            <a:schemeClr val="accent1"/>
+            <a:schemeClr val="dk1"/>
           </a:fillRef>
           <a:effectRef idx="0">
-            <a:schemeClr val="accent1"/>
+            <a:schemeClr val="dk1"/>
           </a:effectRef>
           <a:fontRef idx="minor">
             <a:schemeClr val="tx1"/>
@@ -9824,13 +9888,13 @@
         </p:spPr>
         <p:style>
           <a:lnRef idx="1">
-            <a:schemeClr val="accent1"/>
+            <a:schemeClr val="dk1"/>
           </a:lnRef>
           <a:fillRef idx="0">
-            <a:schemeClr val="accent1"/>
+            <a:schemeClr val="dk1"/>
           </a:fillRef>
           <a:effectRef idx="0">
-            <a:schemeClr val="accent1"/>
+            <a:schemeClr val="dk1"/>
           </a:effectRef>
           <a:fontRef idx="minor">
             <a:schemeClr val="tx1"/>
@@ -9865,13 +9929,13 @@
         </p:spPr>
         <p:style>
           <a:lnRef idx="1">
-            <a:schemeClr val="accent1"/>
+            <a:schemeClr val="dk1"/>
           </a:lnRef>
           <a:fillRef idx="0">
-            <a:schemeClr val="accent1"/>
+            <a:schemeClr val="dk1"/>
           </a:fillRef>
           <a:effectRef idx="0">
-            <a:schemeClr val="accent1"/>
+            <a:schemeClr val="dk1"/>
           </a:effectRef>
           <a:fontRef idx="minor">
             <a:schemeClr val="tx1"/>
@@ -9906,13 +9970,13 @@
         </p:spPr>
         <p:style>
           <a:lnRef idx="1">
-            <a:schemeClr val="accent1"/>
+            <a:schemeClr val="dk1"/>
           </a:lnRef>
           <a:fillRef idx="0">
-            <a:schemeClr val="accent1"/>
+            <a:schemeClr val="dk1"/>
           </a:fillRef>
           <a:effectRef idx="0">
-            <a:schemeClr val="accent1"/>
+            <a:schemeClr val="dk1"/>
           </a:effectRef>
           <a:fontRef idx="minor">
             <a:schemeClr val="tx1"/>
@@ -10053,13 +10117,13 @@
         </p:spPr>
         <p:style>
           <a:lnRef idx="1">
-            <a:schemeClr val="accent1"/>
+            <a:schemeClr val="dk1"/>
           </a:lnRef>
           <a:fillRef idx="0">
-            <a:schemeClr val="accent1"/>
+            <a:schemeClr val="dk1"/>
           </a:fillRef>
           <a:effectRef idx="0">
-            <a:schemeClr val="accent1"/>
+            <a:schemeClr val="dk1"/>
           </a:effectRef>
           <a:fontRef idx="minor">
             <a:schemeClr val="tx1"/>
@@ -10092,13 +10156,13 @@
         </p:spPr>
         <p:style>
           <a:lnRef idx="1">
-            <a:schemeClr val="accent1"/>
+            <a:schemeClr val="dk1"/>
           </a:lnRef>
           <a:fillRef idx="0">
-            <a:schemeClr val="accent1"/>
+            <a:schemeClr val="dk1"/>
           </a:fillRef>
           <a:effectRef idx="0">
-            <a:schemeClr val="accent1"/>
+            <a:schemeClr val="dk1"/>
           </a:effectRef>
           <a:fontRef idx="minor">
             <a:schemeClr val="tx1"/>
@@ -10156,7 +10220,10 @@
           <a:bodyPr/>
           <a:lstStyle/>
           <a:p>
-            <a:endParaRPr lang="en-US"/>
+            <a:r>
+              <a:rPr lang="en-US" dirty="0"/>
+              <a:t>Linear Regression</a:t>
+            </a:r>
           </a:p>
         </p:txBody>
       </p:sp>
@@ -10287,7 +10354,7 @@
             </a:pPr>
             <a:r>
               <a:rPr lang="en-US" dirty="0"/>
-              <a:t>Multiple R-squared: 0.1517</a:t>
+              <a:t>Multiple R-squared: 0.5005</a:t>
             </a:r>
           </a:p>
           <a:p>
@@ -10296,7 +10363,7 @@
             </a:pPr>
             <a:r>
               <a:rPr lang="en-US" dirty="0"/>
-              <a:t>Adjusted R-squared: 0.1443</a:t>
+              <a:t>Adjusted R-squared: 0.4966</a:t>
             </a:r>
           </a:p>
           <a:p>
@@ -10345,7 +10412,7 @@
           <p:cNvPr id="2" name="Title 1">
             <a:extLst>
               <a:ext uri="{FF2B5EF4-FFF2-40B4-BE49-F238E27FC236}">
-                <a16:creationId xmlns:a16="http://schemas.microsoft.com/office/drawing/2014/main" id="{DC5514D0-E8D7-4BC3-A8AD-A6EA9D952A41}"/>
+                <a16:creationId xmlns:a16="http://schemas.microsoft.com/office/drawing/2014/main" id="{E2026F85-02DF-4155-8510-36BAC03258A0}"/>
               </a:ext>
             </a:extLst>
           </p:cNvPr>
@@ -10353,7 +10420,7 @@
             <a:spLocks noGrp="1"/>
           </p:cNvSpPr>
           <p:nvPr>
-            <p:ph type="ctrTitle"/>
+            <p:ph type="title"/>
           </p:nvPr>
         </p:nvSpPr>
         <p:spPr/>
@@ -10363,17 +10430,17 @@
           <a:p>
             <a:r>
               <a:rPr lang="en-US" dirty="0"/>
-              <a:t>Conclusion</a:t>
+              <a:t>Random Forest Algorithm</a:t>
             </a:r>
           </a:p>
         </p:txBody>
       </p:sp>
       <p:sp>
         <p:nvSpPr>
-          <p:cNvPr id="3" name="Subtitle 2">
-            <a:extLst>
-              <a:ext uri="{FF2B5EF4-FFF2-40B4-BE49-F238E27FC236}">
-                <a16:creationId xmlns:a16="http://schemas.microsoft.com/office/drawing/2014/main" id="{5102FD5C-ED0E-4BE4-A5BC-142456EC5295}"/>
+          <p:cNvPr id="3" name="Content Placeholder 2">
+            <a:extLst>
+              <a:ext uri="{FF2B5EF4-FFF2-40B4-BE49-F238E27FC236}">
+                <a16:creationId xmlns:a16="http://schemas.microsoft.com/office/drawing/2014/main" id="{BC1AA96B-03CA-44C3-9D82-2D3D58ACB52D}"/>
               </a:ext>
             </a:extLst>
           </p:cNvPr>
@@ -10381,7 +10448,7 @@
             <a:spLocks noGrp="1"/>
           </p:cNvSpPr>
           <p:nvPr>
-            <p:ph type="subTitle" idx="1"/>
+            <p:ph idx="1"/>
           </p:nvPr>
         </p:nvSpPr>
         <p:spPr/>
@@ -10389,14 +10456,17 @@
           <a:bodyPr/>
           <a:lstStyle/>
           <a:p>
-            <a:endParaRPr lang="en-US" dirty="0"/>
+            <a:r>
+              <a:rPr lang="en-US" dirty="0"/>
+              <a:t>After checking the results of Linear regression, we decided to use Random Forest Technique to see improvements in the results; as it is ensemble learning technique where data is trained on multiple models then output rule is combined to get Stronger model which performs well and balances Bias-Variance tradeoff.</a:t>
+            </a:r>
           </a:p>
         </p:txBody>
       </p:sp>
     </p:spTree>
     <p:extLst>
       <p:ext uri="{BB962C8B-B14F-4D97-AF65-F5344CB8AC3E}">
-        <p14:creationId xmlns:p14="http://schemas.microsoft.com/office/powerpoint/2010/main" val="860387764"/>
+        <p14:creationId xmlns:p14="http://schemas.microsoft.com/office/powerpoint/2010/main" val="877421468"/>
       </p:ext>
     </p:extLst>
   </p:cSld>
@@ -10428,7 +10498,7 @@
           <p:cNvPr id="2" name="Title 1">
             <a:extLst>
               <a:ext uri="{FF2B5EF4-FFF2-40B4-BE49-F238E27FC236}">
-                <a16:creationId xmlns:a16="http://schemas.microsoft.com/office/drawing/2014/main" id="{F064B92D-638D-42F1-ADF0-A46F4FA89228}"/>
+                <a16:creationId xmlns:a16="http://schemas.microsoft.com/office/drawing/2014/main" id="{C506FB25-487F-42C7-BD83-EA8D31DF86DF}"/>
               </a:ext>
             </a:extLst>
           </p:cNvPr>
@@ -10453,7 +10523,7 @@
           <p:cNvPr id="3" name="Content Placeholder 2">
             <a:extLst>
               <a:ext uri="{FF2B5EF4-FFF2-40B4-BE49-F238E27FC236}">
-                <a16:creationId xmlns:a16="http://schemas.microsoft.com/office/drawing/2014/main" id="{E9A93573-8EB5-4F88-ABF5-421A901A5170}"/>
+                <a16:creationId xmlns:a16="http://schemas.microsoft.com/office/drawing/2014/main" id="{1E3053A7-836C-47B3-BE40-69EA77A7B5E2}"/>
               </a:ext>
             </a:extLst>
           </p:cNvPr>
@@ -10471,7 +10541,34 @@
           <a:p>
             <a:r>
               <a:rPr lang="en-US" dirty="0"/>
-              <a:t>Most important variables with which Earnings can be predicted are vessel type, loading and discharge ports, cargo type, deadweight tonnage and cargo lift.</a:t>
+              <a:t>After removing outliers in 5th iteration of the model we get the list of variables which are statistically significant with the </a:t>
+            </a:r>
+          </a:p>
+          <a:p>
+            <a:pPr marL="0" indent="0">
+              <a:buNone/>
+            </a:pPr>
+            <a:r>
+              <a:rPr lang="en-US" dirty="0"/>
+              <a:t>  R-squared: 0.5251</a:t>
+            </a:r>
+          </a:p>
+          <a:p>
+            <a:pPr marL="0" indent="0">
+              <a:buNone/>
+            </a:pPr>
+            <a:r>
+              <a:rPr lang="en-US" dirty="0"/>
+              <a:t>  % var explained: 52.71</a:t>
+            </a:r>
+          </a:p>
+          <a:p>
+            <a:pPr marL="0" indent="0">
+              <a:buNone/>
+            </a:pPr>
+            <a:r>
+              <a:rPr lang="en-US" dirty="0"/>
+              <a:t>The results are improved than our previous results.</a:t>
             </a:r>
           </a:p>
         </p:txBody>
@@ -10479,7 +10576,7 @@
     </p:spTree>
     <p:extLst>
       <p:ext uri="{BB962C8B-B14F-4D97-AF65-F5344CB8AC3E}">
-        <p14:creationId xmlns:p14="http://schemas.microsoft.com/office/powerpoint/2010/main" val="2085439672"/>
+        <p14:creationId xmlns:p14="http://schemas.microsoft.com/office/powerpoint/2010/main" val="2311949520"/>
       </p:ext>
     </p:extLst>
   </p:cSld>
@@ -10529,7 +10626,7 @@
           <a:p>
             <a:r>
               <a:rPr lang="en-US" dirty="0"/>
-              <a:t>Recommendations</a:t>
+              <a:t>Conclusion</a:t>
             </a:r>
           </a:p>
         </p:txBody>
@@ -10562,7 +10659,7 @@
     </p:spTree>
     <p:extLst>
       <p:ext uri="{BB962C8B-B14F-4D97-AF65-F5344CB8AC3E}">
-        <p14:creationId xmlns:p14="http://schemas.microsoft.com/office/powerpoint/2010/main" val="1639105922"/>
+        <p14:creationId xmlns:p14="http://schemas.microsoft.com/office/powerpoint/2010/main" val="860387764"/>
       </p:ext>
     </p:extLst>
   </p:cSld>
@@ -10754,6 +10851,200 @@
           <p:cNvPr id="2" name="Title 1">
             <a:extLst>
               <a:ext uri="{FF2B5EF4-FFF2-40B4-BE49-F238E27FC236}">
+                <a16:creationId xmlns:a16="http://schemas.microsoft.com/office/drawing/2014/main" id="{F064B92D-638D-42F1-ADF0-A46F4FA89228}"/>
+              </a:ext>
+            </a:extLst>
+          </p:cNvPr>
+          <p:cNvSpPr>
+            <a:spLocks noGrp="1"/>
+          </p:cNvSpPr>
+          <p:nvPr>
+            <p:ph type="title"/>
+          </p:nvPr>
+        </p:nvSpPr>
+        <p:spPr>
+          <a:xfrm>
+            <a:off x="609600" y="274638"/>
+            <a:ext cx="10972800" cy="457198"/>
+          </a:xfrm>
+        </p:spPr>
+        <p:txBody>
+          <a:bodyPr/>
+          <a:lstStyle/>
+          <a:p>
+            <a:endParaRPr lang="en-US" dirty="0"/>
+          </a:p>
+        </p:txBody>
+      </p:sp>
+      <p:sp>
+        <p:nvSpPr>
+          <p:cNvPr id="3" name="Content Placeholder 2">
+            <a:extLst>
+              <a:ext uri="{FF2B5EF4-FFF2-40B4-BE49-F238E27FC236}">
+                <a16:creationId xmlns:a16="http://schemas.microsoft.com/office/drawing/2014/main" id="{E9A93573-8EB5-4F88-ABF5-421A901A5170}"/>
+              </a:ext>
+            </a:extLst>
+          </p:cNvPr>
+          <p:cNvSpPr>
+            <a:spLocks noGrp="1"/>
+          </p:cNvSpPr>
+          <p:nvPr>
+            <p:ph idx="1"/>
+          </p:nvPr>
+        </p:nvSpPr>
+        <p:spPr>
+          <a:xfrm>
+            <a:off x="498082" y="988315"/>
+            <a:ext cx="11177239" cy="4587294"/>
+          </a:xfrm>
+        </p:spPr>
+        <p:txBody>
+          <a:bodyPr/>
+          <a:lstStyle/>
+          <a:p>
+            <a:r>
+              <a:rPr lang="en-US" sz="2600" dirty="0"/>
+              <a:t>Our Random Forest model shows improved results over Linear Regression model.</a:t>
+            </a:r>
+          </a:p>
+          <a:p>
+            <a:r>
+              <a:rPr lang="en-US" sz="2600" dirty="0"/>
+              <a:t>From our models we can say that Earnings can be predicted using vessel type, loading and discharge ports, cargo type, deadweight tonnage, cargo lift etc. independent variables.</a:t>
+            </a:r>
+          </a:p>
+          <a:p>
+            <a:r>
+              <a:rPr lang="en-US" sz="2600" dirty="0"/>
+              <a:t>While we have been able to improve the results, this may not be enough for the predictions as  Weather related information is not provided. </a:t>
+            </a:r>
+          </a:p>
+          <a:p>
+            <a:r>
+              <a:rPr lang="en-US" sz="2600" dirty="0"/>
+              <a:t>If the information about intermittent stops for loading and discharge for a voyage is provided then it will be helpful to get more accurate predictions.</a:t>
+            </a:r>
+          </a:p>
+        </p:txBody>
+      </p:sp>
+    </p:spTree>
+    <p:extLst>
+      <p:ext uri="{BB962C8B-B14F-4D97-AF65-F5344CB8AC3E}">
+        <p14:creationId xmlns:p14="http://schemas.microsoft.com/office/powerpoint/2010/main" val="2085439672"/>
+      </p:ext>
+    </p:extLst>
+  </p:cSld>
+  <p:clrMapOvr>
+    <a:masterClrMapping/>
+  </p:clrMapOvr>
+</p:sld>
+</file>
+
+<file path=ppt/slides/slide21.xml><?xml version="1.0" encoding="utf-8"?>
+<p:sld xmlns:a="http://schemas.openxmlformats.org/drawingml/2006/main" xmlns:r="http://schemas.openxmlformats.org/officeDocument/2006/relationships" xmlns:p="http://schemas.openxmlformats.org/presentationml/2006/main">
+  <p:cSld>
+    <p:spTree>
+      <p:nvGrpSpPr>
+        <p:cNvPr id="1" name=""/>
+        <p:cNvGrpSpPr/>
+        <p:nvPr/>
+      </p:nvGrpSpPr>
+      <p:grpSpPr>
+        <a:xfrm>
+          <a:off x="0" y="0"/>
+          <a:ext cx="0" cy="0"/>
+          <a:chOff x="0" y="0"/>
+          <a:chExt cx="0" cy="0"/>
+        </a:xfrm>
+      </p:grpSpPr>
+      <p:sp>
+        <p:nvSpPr>
+          <p:cNvPr id="2" name="Title 1">
+            <a:extLst>
+              <a:ext uri="{FF2B5EF4-FFF2-40B4-BE49-F238E27FC236}">
+                <a16:creationId xmlns:a16="http://schemas.microsoft.com/office/drawing/2014/main" id="{DC5514D0-E8D7-4BC3-A8AD-A6EA9D952A41}"/>
+              </a:ext>
+            </a:extLst>
+          </p:cNvPr>
+          <p:cNvSpPr>
+            <a:spLocks noGrp="1"/>
+          </p:cNvSpPr>
+          <p:nvPr>
+            <p:ph type="ctrTitle"/>
+          </p:nvPr>
+        </p:nvSpPr>
+        <p:spPr/>
+        <p:txBody>
+          <a:bodyPr/>
+          <a:lstStyle/>
+          <a:p>
+            <a:r>
+              <a:rPr lang="en-US" dirty="0"/>
+              <a:t>Recommendations</a:t>
+            </a:r>
+          </a:p>
+        </p:txBody>
+      </p:sp>
+      <p:sp>
+        <p:nvSpPr>
+          <p:cNvPr id="3" name="Subtitle 2">
+            <a:extLst>
+              <a:ext uri="{FF2B5EF4-FFF2-40B4-BE49-F238E27FC236}">
+                <a16:creationId xmlns:a16="http://schemas.microsoft.com/office/drawing/2014/main" id="{5102FD5C-ED0E-4BE4-A5BC-142456EC5295}"/>
+              </a:ext>
+            </a:extLst>
+          </p:cNvPr>
+          <p:cNvSpPr>
+            <a:spLocks noGrp="1"/>
+          </p:cNvSpPr>
+          <p:nvPr>
+            <p:ph type="subTitle" idx="1"/>
+          </p:nvPr>
+        </p:nvSpPr>
+        <p:spPr/>
+        <p:txBody>
+          <a:bodyPr/>
+          <a:lstStyle/>
+          <a:p>
+            <a:endParaRPr lang="en-US" dirty="0"/>
+          </a:p>
+        </p:txBody>
+      </p:sp>
+    </p:spTree>
+    <p:extLst>
+      <p:ext uri="{BB962C8B-B14F-4D97-AF65-F5344CB8AC3E}">
+        <p14:creationId xmlns:p14="http://schemas.microsoft.com/office/powerpoint/2010/main" val="1639105922"/>
+      </p:ext>
+    </p:extLst>
+  </p:cSld>
+  <p:clrMapOvr>
+    <a:masterClrMapping/>
+  </p:clrMapOvr>
+</p:sld>
+</file>
+
+<file path=ppt/slides/slide22.xml><?xml version="1.0" encoding="utf-8"?>
+<p:sld xmlns:a="http://schemas.openxmlformats.org/drawingml/2006/main" xmlns:r="http://schemas.openxmlformats.org/officeDocument/2006/relationships" xmlns:p="http://schemas.openxmlformats.org/presentationml/2006/main">
+  <p:cSld>
+    <p:spTree>
+      <p:nvGrpSpPr>
+        <p:cNvPr id="1" name=""/>
+        <p:cNvGrpSpPr/>
+        <p:nvPr/>
+      </p:nvGrpSpPr>
+      <p:grpSpPr>
+        <a:xfrm>
+          <a:off x="0" y="0"/>
+          <a:ext cx="0" cy="0"/>
+          <a:chOff x="0" y="0"/>
+          <a:chExt cx="0" cy="0"/>
+        </a:xfrm>
+      </p:grpSpPr>
+      <p:sp>
+        <p:nvSpPr>
+          <p:cNvPr id="2" name="Title 1">
+            <a:extLst>
+              <a:ext uri="{FF2B5EF4-FFF2-40B4-BE49-F238E27FC236}">
                 <a16:creationId xmlns:a16="http://schemas.microsoft.com/office/drawing/2014/main" id="{B3728C6E-C53D-4BAE-AA42-D2B6A3DDD440}"/>
               </a:ext>
             </a:extLst>
@@ -10797,7 +11088,7 @@
         </p:nvSpPr>
         <p:spPr>
           <a:xfrm>
-            <a:off x="609600" y="1008994"/>
+            <a:off x="609600" y="1109354"/>
             <a:ext cx="10972800" cy="4682988"/>
           </a:xfrm>
         </p:spPr>
@@ -10806,20 +11097,26 @@
           <a:lstStyle/>
           <a:p>
             <a:r>
-              <a:rPr lang="en-US" dirty="0"/>
-              <a:t>Including weather data for each voyage for further analysis will be helpful to get more precise predictions as it is directly related to fuel consumptions.</a:t>
-            </a:r>
-          </a:p>
-          <a:p>
-            <a:r>
-              <a:rPr lang="en-US" dirty="0"/>
-              <a:t>To improve the accuracy in the prediction we can try using different algorithms like Random Forest or Extreme Gradient Boosting.</a:t>
-            </a:r>
-          </a:p>
-          <a:p>
-            <a:r>
-              <a:rPr lang="en-US" dirty="0"/>
-              <a:t>Comparison of competitor’s business can provide more ideas to improve the business.</a:t>
+              <a:rPr lang="en-US" sz="2600" dirty="0"/>
+              <a:t>Including weather data for each voyage for further analysis will be helpful to get more precise predictions as it is directly related to fuel consumptions.  </a:t>
+            </a:r>
+          </a:p>
+          <a:p>
+            <a:r>
+              <a:rPr lang="en-US" sz="2600" dirty="0"/>
+              <a:t>Information about intermittent stops for loading and discharging will help in building more accurate model.</a:t>
+            </a:r>
+          </a:p>
+          <a:p>
+            <a:r>
+              <a:rPr lang="en-US" sz="2600" dirty="0"/>
+              <a:t>To improve the accuracy in the prediction we can try using different algorithms like Extreme gradient boosting.  </a:t>
+            </a:r>
+          </a:p>
+          <a:p>
+            <a:r>
+              <a:rPr lang="en-US" sz="2600" dirty="0"/>
+              <a:t>Comparison of competitor's business can provide more ideas to improve the business. </a:t>
             </a:r>
           </a:p>
         </p:txBody>
@@ -11230,56 +11527,62 @@
           <a:p>
             <a:r>
               <a:rPr lang="en-US" sz="2000" dirty="0"/>
-              <a:t>1. Voyage Id - Id assigned to each voyage</a:t>
+              <a:t>Voyage Id - Id assigned to each voyage</a:t>
             </a:r>
           </a:p>
           <a:p>
             <a:r>
               <a:rPr lang="en-US" sz="2000" dirty="0"/>
-              <a:t>2. Vessel Id - Id assigned to each vessel</a:t>
+              <a:t>Vessel Id - Id assigned to each vessel</a:t>
             </a:r>
           </a:p>
           <a:p>
             <a:r>
               <a:rPr lang="en-US" sz="2000" dirty="0"/>
-              <a:t>3. Commencing Date - Start date for the voyage</a:t>
+              <a:t>Commencing Date - Start date for the voyage</a:t>
             </a:r>
           </a:p>
           <a:p>
             <a:r>
               <a:rPr lang="en-US" sz="2000" dirty="0"/>
-              <a:t>4. Completing Date - End date for the voyage</a:t>
+              <a:t>Completing Date - End date for the voyage</a:t>
             </a:r>
           </a:p>
           <a:p>
             <a:r>
               <a:rPr lang="en-US" sz="2000" dirty="0"/>
-              <a:t>5. Vessel types - There are total 12 different types of vessels.</a:t>
+              <a:t>Vessel types - There are total 12 different types of vessels.</a:t>
             </a:r>
           </a:p>
           <a:p>
             <a:r>
               <a:rPr lang="en-US" sz="2000" dirty="0"/>
-              <a:t>6. Vessel description - Is vessel a Tanker or a Bulk</a:t>
+              <a:t>Vessel description - Is vessel a Tanker or a Bulk</a:t>
             </a:r>
           </a:p>
           <a:p>
             <a:r>
               <a:rPr lang="en-US" sz="2000" dirty="0"/>
-              <a:t>7. Cargo types- There are 20 unique values of cargo types.</a:t>
+              <a:t>Cargo types- There are 20 unique values of cargo types.</a:t>
             </a:r>
           </a:p>
           <a:p>
             <a:r>
               <a:rPr lang="en-US" sz="2000" dirty="0"/>
-              <a:t>8. First load port - This is the port where first vessel got loaded.</a:t>
+              <a:t>First load port - This is the port where first vessel got loaded.</a:t>
             </a:r>
           </a:p>
           <a:p>
             <a:r>
               <a:rPr lang="en-US" sz="2000" dirty="0"/>
-              <a:t>9. Last discharge port - This is the last discharge port for the voyage. There can be multiple discharge ports for single voyage.</a:t>
-            </a:r>
+              <a:t>Last discharge port - This is the last discharge port for the voyage. There can be multiple discharge ports for single voyage.</a:t>
+            </a:r>
+          </a:p>
+          <a:p>
+            <a:pPr marL="0" indent="0">
+              <a:buNone/>
+            </a:pPr>
+            <a:endParaRPr lang="en-US" sz="2000" dirty="0"/>
           </a:p>
           <a:p>
             <a:endParaRPr lang="en-US" sz="2000" dirty="0"/>
@@ -11379,75 +11682,72 @@
           </a:bodyPr>
           <a:lstStyle/>
           <a:p>
+            <a:endParaRPr lang="en-US" sz="2000" dirty="0"/>
+          </a:p>
+          <a:p>
             <a:r>
               <a:rPr lang="en-US" sz="2000" dirty="0"/>
-              <a:t>10. Cargo type - It gives information about what type of cargo vessel is carrying.</a:t>
+              <a:t>Cargo lift - It tells us how much cargo the vessel is carrying.</a:t>
             </a:r>
           </a:p>
           <a:p>
             <a:r>
               <a:rPr lang="en-US" sz="2000" dirty="0"/>
-              <a:t>11. Cargo lift - It tells us how much cargo the vessel is carrying.</a:t>
+              <a:t>Dwt - Deadweight tonnage of the ship.</a:t>
             </a:r>
           </a:p>
           <a:p>
             <a:r>
               <a:rPr lang="en-US" sz="2000" dirty="0"/>
-              <a:t>12. Dwt - Deadweight tonnage of the ship.</a:t>
+              <a:t>Estimated earnings and Actual Earnings</a:t>
             </a:r>
           </a:p>
           <a:p>
             <a:r>
               <a:rPr lang="en-US" sz="2000" dirty="0"/>
-              <a:t>13. Estimated earnings and Actual Earnings</a:t>
+              <a:t>Trade Area - The area where the voyage is travelling.</a:t>
             </a:r>
           </a:p>
           <a:p>
             <a:r>
               <a:rPr lang="en-US" sz="2000" dirty="0"/>
-              <a:t>14. Trade Area - The area where the voyage is travelling.</a:t>
+              <a:t>Estimated voyage days and Actual voyage days</a:t>
             </a:r>
           </a:p>
           <a:p>
             <a:r>
               <a:rPr lang="en-US" sz="2000" dirty="0"/>
-              <a:t>15. Estimated voyage days and Actual voyage days</a:t>
+              <a:t>Ballast days - when vessel is empty</a:t>
             </a:r>
           </a:p>
           <a:p>
             <a:r>
               <a:rPr lang="en-US" sz="2000" dirty="0"/>
-              <a:t>16. Ballast days - when vessel is empty</a:t>
+              <a:t>Laden days - when vessel is loaded</a:t>
             </a:r>
           </a:p>
           <a:p>
             <a:r>
               <a:rPr lang="en-US" sz="2000" dirty="0"/>
-              <a:t>17. Laden days - when vessel is loaded</a:t>
+              <a:t>Base Currency - Currency of earnings</a:t>
             </a:r>
           </a:p>
           <a:p>
             <a:r>
               <a:rPr lang="en-US" sz="2000" dirty="0"/>
-              <a:t>18. Base Currency - Currency of earnings</a:t>
+              <a:t>Operators details</a:t>
             </a:r>
           </a:p>
           <a:p>
             <a:r>
               <a:rPr lang="en-US" sz="2000" dirty="0"/>
-              <a:t>19. Operators details</a:t>
+              <a:t>Laden and Ballast Speed - this is finalized at the charter party.</a:t>
             </a:r>
           </a:p>
           <a:p>
             <a:r>
               <a:rPr lang="en-US" sz="2000" dirty="0"/>
-              <a:t>20. Laden and Ballast Speed - this is finalized at the charter party.</a:t>
-            </a:r>
-          </a:p>
-          <a:p>
-            <a:r>
-              <a:rPr lang="en-US" sz="2000" dirty="0"/>
-              <a:t>21. Vessel properties such as built year, owner etc.</a:t>
+              <a:t>Vessel properties such as built year, owner etc.</a:t>
             </a:r>
           </a:p>
           <a:p>
@@ -11628,7 +11928,7 @@
             <p:ph idx="1"/>
             <p:extLst>
               <p:ext uri="{D42A27DB-BD31-4B8C-83A1-F6EECF244321}">
-                <p14:modId xmlns:p14="http://schemas.microsoft.com/office/powerpoint/2010/main" val="1514860321"/>
+                <p14:modId xmlns:p14="http://schemas.microsoft.com/office/powerpoint/2010/main" val="1706712264"/>
               </p:ext>
             </p:extLst>
           </p:nvPr>
